--- a/Faris's Undergraduate Thesis (Buku TA)/Laporan Progress Faris untuk Bimbingan Mingguan.pptx
+++ b/Faris's Undergraduate Thesis (Buku TA)/Laporan Progress Faris untuk Bimbingan Mingguan.pptx
@@ -15,6 +15,12 @@
     <p:sldId id="264" r:id="rId9"/>
     <p:sldId id="263" r:id="rId10"/>
     <p:sldId id="265" r:id="rId11"/>
+    <p:sldId id="266" r:id="rId12"/>
+    <p:sldId id="267" r:id="rId13"/>
+    <p:sldId id="268" r:id="rId14"/>
+    <p:sldId id="269" r:id="rId15"/>
+    <p:sldId id="270" r:id="rId16"/>
+    <p:sldId id="271" r:id="rId17"/>
   </p:sldIdLst>
   <p:sldSz cx="12192000" cy="6858000"/>
   <p:notesSz cx="6858000" cy="9144000"/>
@@ -840,7 +846,7 @@
           <a:p>
             <a:fld id="{8C28A28C-4C6A-46EA-90C0-4EE0B89CC5C7}" type="datetimeFigureOut">
               <a:rPr lang="en-US" smtClean="0"/>
-              <a:t>4/4/2023</a:t>
+              <a:t>11/25/2023</a:t>
             </a:fld>
             <a:endParaRPr lang="en-US" dirty="0"/>
           </a:p>
@@ -1038,7 +1044,7 @@
           <a:p>
             <a:fld id="{8C28A28C-4C6A-46EA-90C0-4EE0B89CC5C7}" type="datetimeFigureOut">
               <a:rPr lang="en-US" smtClean="0"/>
-              <a:t>4/4/2023</a:t>
+              <a:t>11/25/2023</a:t>
             </a:fld>
             <a:endParaRPr lang="en-US"/>
           </a:p>
@@ -1246,7 +1252,7 @@
           <a:p>
             <a:fld id="{8C28A28C-4C6A-46EA-90C0-4EE0B89CC5C7}" type="datetimeFigureOut">
               <a:rPr lang="en-US" smtClean="0"/>
-              <a:t>4/4/2023</a:t>
+              <a:t>11/25/2023</a:t>
             </a:fld>
             <a:endParaRPr lang="en-US"/>
           </a:p>
@@ -1444,7 +1450,7 @@
           <a:p>
             <a:fld id="{8C28A28C-4C6A-46EA-90C0-4EE0B89CC5C7}" type="datetimeFigureOut">
               <a:rPr lang="en-US" smtClean="0"/>
-              <a:t>4/4/2023</a:t>
+              <a:t>11/25/2023</a:t>
             </a:fld>
             <a:endParaRPr lang="en-US"/>
           </a:p>
@@ -1721,7 +1727,7 @@
           <a:p>
             <a:fld id="{8C28A28C-4C6A-46EA-90C0-4EE0B89CC5C7}" type="datetimeFigureOut">
               <a:rPr lang="en-US" smtClean="0"/>
-              <a:t>4/4/2023</a:t>
+              <a:t>11/25/2023</a:t>
             </a:fld>
             <a:endParaRPr lang="en-US"/>
           </a:p>
@@ -1986,7 +1992,7 @@
           <a:p>
             <a:fld id="{8C28A28C-4C6A-46EA-90C0-4EE0B89CC5C7}" type="datetimeFigureOut">
               <a:rPr lang="en-US" smtClean="0"/>
-              <a:t>4/4/2023</a:t>
+              <a:t>11/25/2023</a:t>
             </a:fld>
             <a:endParaRPr lang="en-US"/>
           </a:p>
@@ -2398,7 +2404,7 @@
           <a:p>
             <a:fld id="{8C28A28C-4C6A-46EA-90C0-4EE0B89CC5C7}" type="datetimeFigureOut">
               <a:rPr lang="en-US" smtClean="0"/>
-              <a:t>4/4/2023</a:t>
+              <a:t>11/25/2023</a:t>
             </a:fld>
             <a:endParaRPr lang="en-US"/>
           </a:p>
@@ -2539,7 +2545,7 @@
           <a:p>
             <a:fld id="{8C28A28C-4C6A-46EA-90C0-4EE0B89CC5C7}" type="datetimeFigureOut">
               <a:rPr lang="en-US" smtClean="0"/>
-              <a:t>4/4/2023</a:t>
+              <a:t>11/25/2023</a:t>
             </a:fld>
             <a:endParaRPr lang="en-US"/>
           </a:p>
@@ -2652,7 +2658,7 @@
           <a:p>
             <a:fld id="{8C28A28C-4C6A-46EA-90C0-4EE0B89CC5C7}" type="datetimeFigureOut">
               <a:rPr lang="en-US" smtClean="0"/>
-              <a:t>4/4/2023</a:t>
+              <a:t>11/25/2023</a:t>
             </a:fld>
             <a:endParaRPr lang="en-US"/>
           </a:p>
@@ -2965,7 +2971,7 @@
           <a:p>
             <a:fld id="{8C28A28C-4C6A-46EA-90C0-4EE0B89CC5C7}" type="datetimeFigureOut">
               <a:rPr lang="en-US" smtClean="0"/>
-              <a:t>4/4/2023</a:t>
+              <a:t>11/25/2023</a:t>
             </a:fld>
             <a:endParaRPr lang="en-US"/>
           </a:p>
@@ -3253,7 +3259,7 @@
           <a:p>
             <a:fld id="{8C28A28C-4C6A-46EA-90C0-4EE0B89CC5C7}" type="datetimeFigureOut">
               <a:rPr lang="en-US" smtClean="0"/>
-              <a:t>4/4/2023</a:t>
+              <a:t>11/25/2023</a:t>
             </a:fld>
             <a:endParaRPr lang="en-US"/>
           </a:p>
@@ -3608,7 +3614,7 @@
             <a:fld id="{8C28A28C-4C6A-46EA-90C0-4EE0B89CC5C7}" type="datetimeFigureOut">
               <a:rPr lang="en-US" smtClean="0"/>
               <a:pPr/>
-              <a:t>4/4/2023</a:t>
+              <a:t>11/25/2023</a:t>
             </a:fld>
             <a:endParaRPr lang="en-US" dirty="0"/>
           </a:p>
@@ -4465,6 +4471,965 @@
 </p:sld>
 </file>
 
+<file path=ppt/slides/slide11.xml><?xml version="1.0" encoding="utf-8"?>
+<p:sld xmlns:a="http://schemas.openxmlformats.org/drawingml/2006/main" xmlns:r="http://schemas.openxmlformats.org/officeDocument/2006/relationships" xmlns:p="http://schemas.openxmlformats.org/presentationml/2006/main">
+  <p:cSld>
+    <p:spTree>
+      <p:nvGrpSpPr>
+        <p:cNvPr id="1" name=""/>
+        <p:cNvGrpSpPr/>
+        <p:nvPr/>
+      </p:nvGrpSpPr>
+      <p:grpSpPr>
+        <a:xfrm>
+          <a:off x="0" y="0"/>
+          <a:ext cx="0" cy="0"/>
+          <a:chOff x="0" y="0"/>
+          <a:chExt cx="0" cy="0"/>
+        </a:xfrm>
+      </p:grpSpPr>
+      <p:sp>
+        <p:nvSpPr>
+          <p:cNvPr id="2" name="Title 1">
+            <a:extLst>
+              <a:ext uri="{FF2B5EF4-FFF2-40B4-BE49-F238E27FC236}">
+                <a16:creationId xmlns:a16="http://schemas.microsoft.com/office/drawing/2014/main" id="{5F1007FF-06F8-71AD-761A-A94A406842A9}"/>
+              </a:ext>
+            </a:extLst>
+          </p:cNvPr>
+          <p:cNvSpPr>
+            <a:spLocks noGrp="1"/>
+          </p:cNvSpPr>
+          <p:nvPr>
+            <p:ph type="title"/>
+          </p:nvPr>
+        </p:nvSpPr>
+        <p:spPr/>
+        <p:txBody>
+          <a:bodyPr/>
+          <a:lstStyle/>
+          <a:p>
+            <a:r>
+              <a:rPr lang="en-US" dirty="0"/>
+              <a:t>Progress 14 </a:t>
+            </a:r>
+            <a:r>
+              <a:rPr lang="en-US" dirty="0" err="1"/>
+              <a:t>maret</a:t>
+            </a:r>
+            <a:r>
+              <a:rPr lang="en-US" dirty="0"/>
+              <a:t>- 20 April</a:t>
+            </a:r>
+            <a:endParaRPr lang="en-ID" dirty="0"/>
+          </a:p>
+        </p:txBody>
+      </p:sp>
+      <p:sp>
+        <p:nvSpPr>
+          <p:cNvPr id="3" name="Text Placeholder 2">
+            <a:extLst>
+              <a:ext uri="{FF2B5EF4-FFF2-40B4-BE49-F238E27FC236}">
+                <a16:creationId xmlns:a16="http://schemas.microsoft.com/office/drawing/2014/main" id="{35CAF522-905F-2510-45EC-C551BC9D0DCF}"/>
+              </a:ext>
+            </a:extLst>
+          </p:cNvPr>
+          <p:cNvSpPr>
+            <a:spLocks noGrp="1"/>
+          </p:cNvSpPr>
+          <p:nvPr>
+            <p:ph type="body" idx="1"/>
+          </p:nvPr>
+        </p:nvSpPr>
+        <p:spPr/>
+        <p:txBody>
+          <a:bodyPr/>
+          <a:lstStyle/>
+          <a:p>
+            <a:r>
+              <a:rPr lang="en-ID" dirty="0" err="1"/>
+              <a:t>Untuk</a:t>
+            </a:r>
+            <a:r>
+              <a:rPr lang="en-ID" dirty="0"/>
+              <a:t> </a:t>
+            </a:r>
+            <a:r>
+              <a:rPr lang="en-ID" dirty="0" err="1"/>
+              <a:t>Bimbingan</a:t>
+            </a:r>
+            <a:r>
+              <a:rPr lang="en-ID" dirty="0"/>
+              <a:t> </a:t>
+            </a:r>
+            <a:r>
+              <a:rPr lang="en-ID" dirty="0" err="1"/>
+              <a:t>ke</a:t>
+            </a:r>
+            <a:r>
+              <a:rPr lang="en-ID" dirty="0"/>
+              <a:t> Bu </a:t>
+            </a:r>
+            <a:r>
+              <a:rPr lang="en-ID" dirty="0" err="1"/>
+              <a:t>Trihastuti</a:t>
+            </a:r>
+            <a:r>
+              <a:rPr lang="en-ID" dirty="0"/>
+              <a:t> </a:t>
+            </a:r>
+            <a:r>
+              <a:rPr lang="en-ID" dirty="0" err="1"/>
+              <a:t>Agustinah</a:t>
+            </a:r>
+            <a:endParaRPr lang="en-ID" dirty="0"/>
+          </a:p>
+        </p:txBody>
+      </p:sp>
+    </p:spTree>
+    <p:extLst>
+      <p:ext uri="{BB962C8B-B14F-4D97-AF65-F5344CB8AC3E}">
+        <p14:creationId xmlns:p14="http://schemas.microsoft.com/office/powerpoint/2010/main" val="1496238623"/>
+      </p:ext>
+    </p:extLst>
+  </p:cSld>
+  <p:clrMapOvr>
+    <a:masterClrMapping/>
+  </p:clrMapOvr>
+</p:sld>
+</file>
+
+<file path=ppt/slides/slide12.xml><?xml version="1.0" encoding="utf-8"?>
+<p:sld xmlns:a="http://schemas.openxmlformats.org/drawingml/2006/main" xmlns:r="http://schemas.openxmlformats.org/officeDocument/2006/relationships" xmlns:p="http://schemas.openxmlformats.org/presentationml/2006/main">
+  <p:cSld>
+    <p:spTree>
+      <p:nvGrpSpPr>
+        <p:cNvPr id="1" name=""/>
+        <p:cNvGrpSpPr/>
+        <p:nvPr/>
+      </p:nvGrpSpPr>
+      <p:grpSpPr>
+        <a:xfrm>
+          <a:off x="0" y="0"/>
+          <a:ext cx="0" cy="0"/>
+          <a:chOff x="0" y="0"/>
+          <a:chExt cx="0" cy="0"/>
+        </a:xfrm>
+      </p:grpSpPr>
+      <p:sp>
+        <p:nvSpPr>
+          <p:cNvPr id="2" name="Title 1">
+            <a:extLst>
+              <a:ext uri="{FF2B5EF4-FFF2-40B4-BE49-F238E27FC236}">
+                <a16:creationId xmlns:a16="http://schemas.microsoft.com/office/drawing/2014/main" id="{3422309C-2A3F-2A95-A5AC-2CC29F42B11A}"/>
+              </a:ext>
+            </a:extLst>
+          </p:cNvPr>
+          <p:cNvSpPr>
+            <a:spLocks noGrp="1"/>
+          </p:cNvSpPr>
+          <p:nvPr>
+            <p:ph type="title"/>
+          </p:nvPr>
+        </p:nvSpPr>
+        <p:spPr/>
+        <p:txBody>
+          <a:bodyPr/>
+          <a:lstStyle/>
+          <a:p>
+            <a:r>
+              <a:rPr lang="en-US" dirty="0" err="1"/>
+              <a:t>Sudah</a:t>
+            </a:r>
+            <a:r>
+              <a:rPr lang="en-US" dirty="0"/>
+              <a:t> </a:t>
+            </a:r>
+            <a:r>
+              <a:rPr lang="en-US" dirty="0" err="1"/>
+              <a:t>dilakukan</a:t>
+            </a:r>
+            <a:endParaRPr lang="en-ID" dirty="0"/>
+          </a:p>
+        </p:txBody>
+      </p:sp>
+      <p:sp>
+        <p:nvSpPr>
+          <p:cNvPr id="3" name="Content Placeholder 2">
+            <a:extLst>
+              <a:ext uri="{FF2B5EF4-FFF2-40B4-BE49-F238E27FC236}">
+                <a16:creationId xmlns:a16="http://schemas.microsoft.com/office/drawing/2014/main" id="{9A6EC9B6-6B3D-A2D8-14DE-56CC0BDE6AA7}"/>
+              </a:ext>
+            </a:extLst>
+          </p:cNvPr>
+          <p:cNvSpPr>
+            <a:spLocks noGrp="1"/>
+          </p:cNvSpPr>
+          <p:nvPr>
+            <p:ph idx="1"/>
+          </p:nvPr>
+        </p:nvSpPr>
+        <p:spPr/>
+        <p:txBody>
+          <a:bodyPr/>
+          <a:lstStyle/>
+          <a:p>
+            <a:r>
+              <a:rPr lang="en-US" dirty="0" err="1"/>
+              <a:t>Mencari</a:t>
+            </a:r>
+            <a:r>
+              <a:rPr lang="en-US" dirty="0"/>
+              <a:t> dan </a:t>
+            </a:r>
+            <a:r>
+              <a:rPr lang="en-US" dirty="0" err="1"/>
+              <a:t>mencoba</a:t>
+            </a:r>
+            <a:r>
+              <a:rPr lang="en-US" dirty="0"/>
+              <a:t> control valve untuk plant PCT</a:t>
+            </a:r>
+          </a:p>
+          <a:p>
+            <a:r>
+              <a:rPr lang="en-US" dirty="0" err="1"/>
+              <a:t>Membuat</a:t>
+            </a:r>
+            <a:r>
+              <a:rPr lang="en-US" dirty="0"/>
+              <a:t> </a:t>
+            </a:r>
+            <a:r>
+              <a:rPr lang="en-US" dirty="0" err="1"/>
+              <a:t>jalur</a:t>
+            </a:r>
+            <a:r>
+              <a:rPr lang="en-US" dirty="0"/>
+              <a:t> untuk </a:t>
+            </a:r>
+            <a:r>
+              <a:rPr lang="en-US" dirty="0" err="1"/>
+              <a:t>pemasangan</a:t>
+            </a:r>
+            <a:r>
+              <a:rPr lang="en-US" dirty="0"/>
+              <a:t> CV dan </a:t>
+            </a:r>
+            <a:r>
+              <a:rPr lang="en-US" dirty="0" err="1"/>
+              <a:t>jalur</a:t>
+            </a:r>
+            <a:r>
+              <a:rPr lang="en-US" dirty="0"/>
+              <a:t> bypass untuk </a:t>
+            </a:r>
+            <a:r>
+              <a:rPr lang="en-US" dirty="0" err="1"/>
+              <a:t>praktikum</a:t>
+            </a:r>
+            <a:endParaRPr lang="en-US" dirty="0"/>
+          </a:p>
+          <a:p>
+            <a:r>
+              <a:rPr lang="en-US" dirty="0" err="1"/>
+              <a:t>Mencoba</a:t>
+            </a:r>
+            <a:r>
+              <a:rPr lang="en-US" dirty="0"/>
+              <a:t> </a:t>
+            </a:r>
+            <a:r>
+              <a:rPr lang="en-US" dirty="0" err="1"/>
+              <a:t>mengintegrasi</a:t>
+            </a:r>
+            <a:r>
+              <a:rPr lang="en-US" dirty="0"/>
+              <a:t> control valve dengan </a:t>
+            </a:r>
+            <a:r>
+              <a:rPr lang="en-US" dirty="0" err="1"/>
+              <a:t>modul</a:t>
+            </a:r>
+            <a:r>
+              <a:rPr lang="en-US" dirty="0"/>
+              <a:t> PCT</a:t>
+            </a:r>
+          </a:p>
+          <a:p>
+            <a:r>
+              <a:rPr lang="en-US" dirty="0" err="1"/>
+              <a:t>Membuat</a:t>
+            </a:r>
+            <a:r>
+              <a:rPr lang="en-US" dirty="0"/>
+              <a:t> </a:t>
+            </a:r>
+            <a:r>
+              <a:rPr lang="en-US" dirty="0" err="1"/>
+              <a:t>kode</a:t>
+            </a:r>
+            <a:r>
+              <a:rPr lang="en-US" dirty="0"/>
+              <a:t> </a:t>
+            </a:r>
+            <a:r>
+              <a:rPr lang="en-US" dirty="0" err="1"/>
+              <a:t>matlab</a:t>
+            </a:r>
+            <a:r>
+              <a:rPr lang="en-US" dirty="0"/>
+              <a:t> untuk </a:t>
+            </a:r>
+            <a:r>
+              <a:rPr lang="en-US" dirty="0" err="1"/>
+              <a:t>simulasi</a:t>
+            </a:r>
+            <a:r>
+              <a:rPr lang="en-US" dirty="0"/>
+              <a:t> </a:t>
+            </a:r>
+            <a:r>
+              <a:rPr lang="en-US" dirty="0" err="1"/>
+              <a:t>openloop</a:t>
+            </a:r>
+            <a:r>
+              <a:rPr lang="en-US" dirty="0"/>
+              <a:t> dan </a:t>
+            </a:r>
+            <a:r>
+              <a:rPr lang="en-US" dirty="0" err="1"/>
+              <a:t>closeloop</a:t>
+            </a:r>
+            <a:endParaRPr lang="en-US" dirty="0"/>
+          </a:p>
+          <a:p>
+            <a:r>
+              <a:rPr lang="en-US" dirty="0" err="1"/>
+              <a:t>Membuat</a:t>
+            </a:r>
+            <a:r>
+              <a:rPr lang="en-US" dirty="0"/>
+              <a:t> </a:t>
+            </a:r>
+            <a:r>
+              <a:rPr lang="en-US" dirty="0" err="1"/>
+              <a:t>kode</a:t>
+            </a:r>
+            <a:r>
+              <a:rPr lang="en-US" dirty="0"/>
+              <a:t> </a:t>
+            </a:r>
+            <a:r>
+              <a:rPr lang="en-US" dirty="0" err="1"/>
+              <a:t>algoritma</a:t>
+            </a:r>
+            <a:r>
+              <a:rPr lang="en-US" dirty="0"/>
+              <a:t> GA untuk </a:t>
+            </a:r>
+            <a:r>
+              <a:rPr lang="en-US" dirty="0" err="1"/>
+              <a:t>simulasi</a:t>
+            </a:r>
+            <a:r>
+              <a:rPr lang="en-US" dirty="0"/>
+              <a:t> plant</a:t>
+            </a:r>
+            <a:endParaRPr lang="en-ID" dirty="0"/>
+          </a:p>
+        </p:txBody>
+      </p:sp>
+    </p:spTree>
+    <p:extLst>
+      <p:ext uri="{BB962C8B-B14F-4D97-AF65-F5344CB8AC3E}">
+        <p14:creationId xmlns:p14="http://schemas.microsoft.com/office/powerpoint/2010/main" val="1742446171"/>
+      </p:ext>
+    </p:extLst>
+  </p:cSld>
+  <p:clrMapOvr>
+    <a:masterClrMapping/>
+  </p:clrMapOvr>
+</p:sld>
+</file>
+
+<file path=ppt/slides/slide13.xml><?xml version="1.0" encoding="utf-8"?>
+<p:sld xmlns:a="http://schemas.openxmlformats.org/drawingml/2006/main" xmlns:r="http://schemas.openxmlformats.org/officeDocument/2006/relationships" xmlns:p="http://schemas.openxmlformats.org/presentationml/2006/main">
+  <p:cSld>
+    <p:spTree>
+      <p:nvGrpSpPr>
+        <p:cNvPr id="1" name=""/>
+        <p:cNvGrpSpPr/>
+        <p:nvPr/>
+      </p:nvGrpSpPr>
+      <p:grpSpPr>
+        <a:xfrm>
+          <a:off x="0" y="0"/>
+          <a:ext cx="0" cy="0"/>
+          <a:chOff x="0" y="0"/>
+          <a:chExt cx="0" cy="0"/>
+        </a:xfrm>
+      </p:grpSpPr>
+      <p:sp>
+        <p:nvSpPr>
+          <p:cNvPr id="2" name="Title 1">
+            <a:extLst>
+              <a:ext uri="{FF2B5EF4-FFF2-40B4-BE49-F238E27FC236}">
+                <a16:creationId xmlns:a16="http://schemas.microsoft.com/office/drawing/2014/main" id="{15D82930-70E4-AED1-76C7-FC34C6C43059}"/>
+              </a:ext>
+            </a:extLst>
+          </p:cNvPr>
+          <p:cNvSpPr>
+            <a:spLocks noGrp="1"/>
+          </p:cNvSpPr>
+          <p:nvPr>
+            <p:ph type="title"/>
+          </p:nvPr>
+        </p:nvSpPr>
+        <p:spPr/>
+        <p:txBody>
+          <a:bodyPr/>
+          <a:lstStyle/>
+          <a:p>
+            <a:endParaRPr lang="en-ID"/>
+          </a:p>
+        </p:txBody>
+      </p:sp>
+      <p:pic>
+        <p:nvPicPr>
+          <p:cNvPr id="6" name="Content Placeholder 5" descr="A picture containing text, indoor, cluttered, messy&#10;&#10;Description automatically generated">
+            <a:extLst>
+              <a:ext uri="{FF2B5EF4-FFF2-40B4-BE49-F238E27FC236}">
+                <a16:creationId xmlns:a16="http://schemas.microsoft.com/office/drawing/2014/main" id="{3B470B34-44B3-FAB2-025C-32600CFF0FC1}"/>
+              </a:ext>
+            </a:extLst>
+          </p:cNvPr>
+          <p:cNvPicPr>
+            <a:picLocks noGrp="1" noChangeAspect="1"/>
+          </p:cNvPicPr>
+          <p:nvPr>
+            <p:ph sz="half" idx="1"/>
+          </p:nvPr>
+        </p:nvPicPr>
+        <p:blipFill>
+          <a:blip r:embed="rId2">
+            <a:extLst>
+              <a:ext uri="{28A0092B-C50C-407E-A947-70E740481C1C}">
+                <a14:useLocalDpi xmlns:a14="http://schemas.microsoft.com/office/drawing/2010/main" val="0"/>
+              </a:ext>
+            </a:extLst>
+          </a:blip>
+          <a:stretch>
+            <a:fillRect/>
+          </a:stretch>
+        </p:blipFill>
+        <p:spPr>
+          <a:xfrm>
+            <a:off x="838200" y="2058194"/>
+            <a:ext cx="5181600" cy="3886200"/>
+          </a:xfrm>
+        </p:spPr>
+      </p:pic>
+      <p:pic>
+        <p:nvPicPr>
+          <p:cNvPr id="12" name="Content Placeholder 11">
+            <a:extLst>
+              <a:ext uri="{FF2B5EF4-FFF2-40B4-BE49-F238E27FC236}">
+                <a16:creationId xmlns:a16="http://schemas.microsoft.com/office/drawing/2014/main" id="{A5DB091B-D944-A2C7-FBDC-47EF490B5B27}"/>
+              </a:ext>
+            </a:extLst>
+          </p:cNvPr>
+          <p:cNvPicPr>
+            <a:picLocks noGrp="1" noChangeAspect="1"/>
+          </p:cNvPicPr>
+          <p:nvPr>
+            <p:ph sz="half" idx="2"/>
+          </p:nvPr>
+        </p:nvPicPr>
+        <p:blipFill>
+          <a:blip r:embed="rId3"/>
+          <a:stretch>
+            <a:fillRect/>
+          </a:stretch>
+        </p:blipFill>
+        <p:spPr>
+          <a:xfrm>
+            <a:off x="6949943" y="1825625"/>
+            <a:ext cx="3626114" cy="4351338"/>
+          </a:xfrm>
+        </p:spPr>
+      </p:pic>
+    </p:spTree>
+    <p:extLst>
+      <p:ext uri="{BB962C8B-B14F-4D97-AF65-F5344CB8AC3E}">
+        <p14:creationId xmlns:p14="http://schemas.microsoft.com/office/powerpoint/2010/main" val="2884793253"/>
+      </p:ext>
+    </p:extLst>
+  </p:cSld>
+  <p:clrMapOvr>
+    <a:masterClrMapping/>
+  </p:clrMapOvr>
+</p:sld>
+</file>
+
+<file path=ppt/slides/slide14.xml><?xml version="1.0" encoding="utf-8"?>
+<p:sld xmlns:a="http://schemas.openxmlformats.org/drawingml/2006/main" xmlns:r="http://schemas.openxmlformats.org/officeDocument/2006/relationships" xmlns:p="http://schemas.openxmlformats.org/presentationml/2006/main">
+  <p:cSld>
+    <p:spTree>
+      <p:nvGrpSpPr>
+        <p:cNvPr id="1" name=""/>
+        <p:cNvGrpSpPr/>
+        <p:nvPr/>
+      </p:nvGrpSpPr>
+      <p:grpSpPr>
+        <a:xfrm>
+          <a:off x="0" y="0"/>
+          <a:ext cx="0" cy="0"/>
+          <a:chOff x="0" y="0"/>
+          <a:chExt cx="0" cy="0"/>
+        </a:xfrm>
+      </p:grpSpPr>
+      <p:sp>
+        <p:nvSpPr>
+          <p:cNvPr id="2" name="Title 1">
+            <a:extLst>
+              <a:ext uri="{FF2B5EF4-FFF2-40B4-BE49-F238E27FC236}">
+                <a16:creationId xmlns:a16="http://schemas.microsoft.com/office/drawing/2014/main" id="{3422309C-2A3F-2A95-A5AC-2CC29F42B11A}"/>
+              </a:ext>
+            </a:extLst>
+          </p:cNvPr>
+          <p:cNvSpPr>
+            <a:spLocks noGrp="1"/>
+          </p:cNvSpPr>
+          <p:nvPr>
+            <p:ph type="title"/>
+          </p:nvPr>
+        </p:nvSpPr>
+        <p:spPr/>
+        <p:txBody>
+          <a:bodyPr/>
+          <a:lstStyle/>
+          <a:p>
+            <a:r>
+              <a:rPr lang="en-US" dirty="0" err="1"/>
+              <a:t>kendala</a:t>
+            </a:r>
+            <a:endParaRPr lang="en-ID" dirty="0"/>
+          </a:p>
+        </p:txBody>
+      </p:sp>
+      <p:sp>
+        <p:nvSpPr>
+          <p:cNvPr id="3" name="Content Placeholder 2">
+            <a:extLst>
+              <a:ext uri="{FF2B5EF4-FFF2-40B4-BE49-F238E27FC236}">
+                <a16:creationId xmlns:a16="http://schemas.microsoft.com/office/drawing/2014/main" id="{9A6EC9B6-6B3D-A2D8-14DE-56CC0BDE6AA7}"/>
+              </a:ext>
+            </a:extLst>
+          </p:cNvPr>
+          <p:cNvSpPr>
+            <a:spLocks noGrp="1"/>
+          </p:cNvSpPr>
+          <p:nvPr>
+            <p:ph idx="1"/>
+          </p:nvPr>
+        </p:nvSpPr>
+        <p:spPr/>
+        <p:txBody>
+          <a:bodyPr/>
+          <a:lstStyle/>
+          <a:p>
+            <a:r>
+              <a:rPr lang="en-US" dirty="0"/>
+              <a:t>Modul untuk control valve </a:t>
+            </a:r>
+            <a:r>
+              <a:rPr lang="en-US" dirty="0" err="1"/>
+              <a:t>bawaan</a:t>
+            </a:r>
+            <a:r>
+              <a:rPr lang="en-US" dirty="0"/>
+              <a:t> PCT tidak </a:t>
+            </a:r>
+            <a:r>
+              <a:rPr lang="en-US" dirty="0" err="1"/>
+              <a:t>mampu</a:t>
+            </a:r>
+            <a:r>
+              <a:rPr lang="en-US" dirty="0"/>
+              <a:t> untuk </a:t>
+            </a:r>
+            <a:r>
+              <a:rPr lang="en-US" dirty="0" err="1"/>
+              <a:t>menggerakan</a:t>
+            </a:r>
+            <a:r>
+              <a:rPr lang="en-US" dirty="0"/>
+              <a:t> CV (CV </a:t>
+            </a:r>
+            <a:r>
+              <a:rPr lang="en-US" dirty="0" err="1"/>
+              <a:t>membutuhkan</a:t>
+            </a:r>
+            <a:r>
+              <a:rPr lang="en-US" dirty="0"/>
+              <a:t> </a:t>
+            </a:r>
+            <a:r>
+              <a:rPr lang="en-US" dirty="0" err="1"/>
+              <a:t>arus</a:t>
+            </a:r>
+            <a:r>
+              <a:rPr lang="en-US" dirty="0"/>
+              <a:t> yang </a:t>
+            </a:r>
+            <a:r>
+              <a:rPr lang="en-US" dirty="0" err="1"/>
+              <a:t>besar</a:t>
+            </a:r>
+            <a:r>
+              <a:rPr lang="en-US" dirty="0"/>
+              <a:t> untuk </a:t>
+            </a:r>
+            <a:r>
+              <a:rPr lang="en-US" dirty="0" err="1"/>
+              <a:t>digerakkan</a:t>
+            </a:r>
+            <a:r>
+              <a:rPr lang="en-US" dirty="0"/>
+              <a:t> 1A)</a:t>
+            </a:r>
+          </a:p>
+          <a:p>
+            <a:r>
+              <a:rPr lang="en-US" dirty="0"/>
+              <a:t>Sehingga </a:t>
+            </a:r>
+            <a:r>
+              <a:rPr lang="en-US" dirty="0" err="1"/>
+              <a:t>perlu</a:t>
+            </a:r>
+            <a:r>
+              <a:rPr lang="en-US" dirty="0"/>
+              <a:t> </a:t>
+            </a:r>
+            <a:r>
+              <a:rPr lang="en-US" dirty="0" err="1"/>
+              <a:t>dibuatkan</a:t>
+            </a:r>
+            <a:r>
+              <a:rPr lang="en-US" dirty="0"/>
+              <a:t> </a:t>
+            </a:r>
+            <a:r>
+              <a:rPr lang="en-US" dirty="0" err="1"/>
+              <a:t>modul</a:t>
+            </a:r>
+            <a:r>
+              <a:rPr lang="en-US" dirty="0"/>
+              <a:t> </a:t>
+            </a:r>
+            <a:r>
+              <a:rPr lang="en-US" dirty="0" err="1"/>
+              <a:t>sendiri</a:t>
+            </a:r>
+            <a:r>
+              <a:rPr lang="en-US" dirty="0"/>
+              <a:t> untuk </a:t>
+            </a:r>
+            <a:r>
+              <a:rPr lang="en-US" dirty="0" err="1"/>
+              <a:t>mengontrol</a:t>
+            </a:r>
+            <a:r>
+              <a:rPr lang="en-US" dirty="0"/>
+              <a:t> CV </a:t>
+            </a:r>
+            <a:r>
+              <a:rPr lang="en-US" dirty="0" err="1"/>
+              <a:t>atau</a:t>
+            </a:r>
+            <a:r>
+              <a:rPr lang="en-US" dirty="0"/>
+              <a:t> </a:t>
+            </a:r>
+            <a:r>
+              <a:rPr lang="en-US" dirty="0" err="1"/>
+              <a:t>membuat</a:t>
+            </a:r>
+            <a:r>
+              <a:rPr lang="en-US" dirty="0"/>
+              <a:t> CV </a:t>
+            </a:r>
+            <a:r>
+              <a:rPr lang="en-US" dirty="0" err="1"/>
+              <a:t>sendiri</a:t>
+            </a:r>
+            <a:endParaRPr lang="en-US" dirty="0"/>
+          </a:p>
+          <a:p>
+            <a:endParaRPr lang="en-US" dirty="0"/>
+          </a:p>
+        </p:txBody>
+      </p:sp>
+    </p:spTree>
+    <p:extLst>
+      <p:ext uri="{BB962C8B-B14F-4D97-AF65-F5344CB8AC3E}">
+        <p14:creationId xmlns:p14="http://schemas.microsoft.com/office/powerpoint/2010/main" val="1691037180"/>
+      </p:ext>
+    </p:extLst>
+  </p:cSld>
+  <p:clrMapOvr>
+    <a:masterClrMapping/>
+  </p:clrMapOvr>
+</p:sld>
+</file>
+
+<file path=ppt/slides/slide15.xml><?xml version="1.0" encoding="utf-8"?>
+<p:sld xmlns:a="http://schemas.openxmlformats.org/drawingml/2006/main" xmlns:r="http://schemas.openxmlformats.org/officeDocument/2006/relationships" xmlns:p="http://schemas.openxmlformats.org/presentationml/2006/main">
+  <p:cSld>
+    <p:spTree>
+      <p:nvGrpSpPr>
+        <p:cNvPr id="1" name=""/>
+        <p:cNvGrpSpPr/>
+        <p:nvPr/>
+      </p:nvGrpSpPr>
+      <p:grpSpPr>
+        <a:xfrm>
+          <a:off x="0" y="0"/>
+          <a:ext cx="0" cy="0"/>
+          <a:chOff x="0" y="0"/>
+          <a:chExt cx="0" cy="0"/>
+        </a:xfrm>
+      </p:grpSpPr>
+      <p:sp>
+        <p:nvSpPr>
+          <p:cNvPr id="2" name="Title 1">
+            <a:extLst>
+              <a:ext uri="{FF2B5EF4-FFF2-40B4-BE49-F238E27FC236}">
+                <a16:creationId xmlns:a16="http://schemas.microsoft.com/office/drawing/2014/main" id="{B9686B06-054C-13FA-9212-5D9092E1B0AF}"/>
+              </a:ext>
+            </a:extLst>
+          </p:cNvPr>
+          <p:cNvSpPr>
+            <a:spLocks noGrp="1"/>
+          </p:cNvSpPr>
+          <p:nvPr>
+            <p:ph type="title"/>
+          </p:nvPr>
+        </p:nvSpPr>
+        <p:spPr/>
+        <p:txBody>
+          <a:bodyPr/>
+          <a:lstStyle/>
+          <a:p>
+            <a:endParaRPr lang="en-ID"/>
+          </a:p>
+        </p:txBody>
+      </p:sp>
+      <p:pic>
+        <p:nvPicPr>
+          <p:cNvPr id="6" name="Content Placeholder 5">
+            <a:extLst>
+              <a:ext uri="{FF2B5EF4-FFF2-40B4-BE49-F238E27FC236}">
+                <a16:creationId xmlns:a16="http://schemas.microsoft.com/office/drawing/2014/main" id="{B7E69FE5-4AD7-4DBD-095F-F595CE98E84E}"/>
+              </a:ext>
+            </a:extLst>
+          </p:cNvPr>
+          <p:cNvPicPr>
+            <a:picLocks noGrp="1" noChangeAspect="1"/>
+          </p:cNvPicPr>
+          <p:nvPr>
+            <p:ph sz="half" idx="1"/>
+          </p:nvPr>
+        </p:nvPicPr>
+        <p:blipFill>
+          <a:blip r:embed="rId2"/>
+          <a:stretch>
+            <a:fillRect/>
+          </a:stretch>
+        </p:blipFill>
+        <p:spPr>
+          <a:xfrm>
+            <a:off x="1451438" y="2080887"/>
+            <a:ext cx="3955123" cy="3840813"/>
+          </a:xfrm>
+        </p:spPr>
+      </p:pic>
+      <p:sp>
+        <p:nvSpPr>
+          <p:cNvPr id="4" name="Content Placeholder 3">
+            <a:extLst>
+              <a:ext uri="{FF2B5EF4-FFF2-40B4-BE49-F238E27FC236}">
+                <a16:creationId xmlns:a16="http://schemas.microsoft.com/office/drawing/2014/main" id="{EB6811E6-4707-AC01-6405-DE5DDC29AF66}"/>
+              </a:ext>
+            </a:extLst>
+          </p:cNvPr>
+          <p:cNvSpPr>
+            <a:spLocks noGrp="1"/>
+          </p:cNvSpPr>
+          <p:nvPr>
+            <p:ph sz="half" idx="2"/>
+          </p:nvPr>
+        </p:nvSpPr>
+        <p:spPr/>
+        <p:txBody>
+          <a:bodyPr/>
+          <a:lstStyle/>
+          <a:p>
+            <a:endParaRPr lang="en-ID" dirty="0"/>
+          </a:p>
+        </p:txBody>
+      </p:sp>
+    </p:spTree>
+    <p:extLst>
+      <p:ext uri="{BB962C8B-B14F-4D97-AF65-F5344CB8AC3E}">
+        <p14:creationId xmlns:p14="http://schemas.microsoft.com/office/powerpoint/2010/main" val="4230318627"/>
+      </p:ext>
+    </p:extLst>
+  </p:cSld>
+  <p:clrMapOvr>
+    <a:masterClrMapping/>
+  </p:clrMapOvr>
+</p:sld>
+</file>
+
+<file path=ppt/slides/slide16.xml><?xml version="1.0" encoding="utf-8"?>
+<p:sld xmlns:a="http://schemas.openxmlformats.org/drawingml/2006/main" xmlns:r="http://schemas.openxmlformats.org/officeDocument/2006/relationships" xmlns:p="http://schemas.openxmlformats.org/presentationml/2006/main">
+  <p:cSld>
+    <p:spTree>
+      <p:nvGrpSpPr>
+        <p:cNvPr id="1" name=""/>
+        <p:cNvGrpSpPr/>
+        <p:nvPr/>
+      </p:nvGrpSpPr>
+      <p:grpSpPr>
+        <a:xfrm>
+          <a:off x="0" y="0"/>
+          <a:ext cx="0" cy="0"/>
+          <a:chOff x="0" y="0"/>
+          <a:chExt cx="0" cy="0"/>
+        </a:xfrm>
+      </p:grpSpPr>
+      <p:sp>
+        <p:nvSpPr>
+          <p:cNvPr id="2" name="Title 1">
+            <a:extLst>
+              <a:ext uri="{FF2B5EF4-FFF2-40B4-BE49-F238E27FC236}">
+                <a16:creationId xmlns:a16="http://schemas.microsoft.com/office/drawing/2014/main" id="{3422309C-2A3F-2A95-A5AC-2CC29F42B11A}"/>
+              </a:ext>
+            </a:extLst>
+          </p:cNvPr>
+          <p:cNvSpPr>
+            <a:spLocks noGrp="1"/>
+          </p:cNvSpPr>
+          <p:nvPr>
+            <p:ph type="title"/>
+          </p:nvPr>
+        </p:nvSpPr>
+        <p:spPr/>
+        <p:txBody>
+          <a:bodyPr/>
+          <a:lstStyle/>
+          <a:p>
+            <a:r>
+              <a:rPr lang="en-US" dirty="0"/>
+              <a:t>Sedang </a:t>
+            </a:r>
+            <a:r>
+              <a:rPr lang="en-US" dirty="0" err="1"/>
+              <a:t>dilakukan</a:t>
+            </a:r>
+            <a:endParaRPr lang="en-ID" dirty="0"/>
+          </a:p>
+        </p:txBody>
+      </p:sp>
+      <p:sp>
+        <p:nvSpPr>
+          <p:cNvPr id="3" name="Content Placeholder 2">
+            <a:extLst>
+              <a:ext uri="{FF2B5EF4-FFF2-40B4-BE49-F238E27FC236}">
+                <a16:creationId xmlns:a16="http://schemas.microsoft.com/office/drawing/2014/main" id="{9A6EC9B6-6B3D-A2D8-14DE-56CC0BDE6AA7}"/>
+              </a:ext>
+            </a:extLst>
+          </p:cNvPr>
+          <p:cNvSpPr>
+            <a:spLocks noGrp="1"/>
+          </p:cNvSpPr>
+          <p:nvPr>
+            <p:ph idx="1"/>
+          </p:nvPr>
+        </p:nvSpPr>
+        <p:spPr/>
+        <p:txBody>
+          <a:bodyPr/>
+          <a:lstStyle/>
+          <a:p>
+            <a:r>
+              <a:rPr lang="en-US" dirty="0" err="1"/>
+              <a:t>Mencoba</a:t>
+            </a:r>
+            <a:r>
+              <a:rPr lang="en-US" dirty="0"/>
+              <a:t> </a:t>
+            </a:r>
+            <a:r>
+              <a:rPr lang="en-US" dirty="0" err="1"/>
+              <a:t>membuat</a:t>
+            </a:r>
+            <a:r>
+              <a:rPr lang="en-US" dirty="0"/>
+              <a:t> </a:t>
+            </a:r>
+            <a:r>
+              <a:rPr lang="en-US" dirty="0" err="1"/>
+              <a:t>modul</a:t>
+            </a:r>
+            <a:r>
+              <a:rPr lang="en-US" dirty="0"/>
+              <a:t> </a:t>
+            </a:r>
+            <a:r>
+              <a:rPr lang="en-US" dirty="0" err="1"/>
+              <a:t>sendiri</a:t>
+            </a:r>
+            <a:r>
+              <a:rPr lang="en-US" dirty="0"/>
+              <a:t> untuk </a:t>
+            </a:r>
+            <a:r>
+              <a:rPr lang="en-US" dirty="0" err="1"/>
+              <a:t>mengontrol</a:t>
+            </a:r>
+            <a:r>
+              <a:rPr lang="en-US" dirty="0"/>
+              <a:t> CV dan PCT menggunakan STM32</a:t>
+            </a:r>
+          </a:p>
+          <a:p>
+            <a:endParaRPr lang="en-US" dirty="0"/>
+          </a:p>
+          <a:p>
+            <a:endParaRPr lang="en-US" dirty="0"/>
+          </a:p>
+          <a:p>
+            <a:endParaRPr lang="en-US" dirty="0"/>
+          </a:p>
+        </p:txBody>
+      </p:sp>
+    </p:spTree>
+    <p:extLst>
+      <p:ext uri="{BB962C8B-B14F-4D97-AF65-F5344CB8AC3E}">
+        <p14:creationId xmlns:p14="http://schemas.microsoft.com/office/powerpoint/2010/main" val="1484561720"/>
+      </p:ext>
+    </p:extLst>
+  </p:cSld>
+  <p:clrMapOvr>
+    <a:masterClrMapping/>
+  </p:clrMapOvr>
+</p:sld>
+</file>
+
 <file path=ppt/slides/slide2.xml><?xml version="1.0" encoding="utf-8"?>
 <p:sld xmlns:a="http://schemas.openxmlformats.org/drawingml/2006/main" xmlns:r="http://schemas.openxmlformats.org/officeDocument/2006/relationships" xmlns:p="http://schemas.openxmlformats.org/presentationml/2006/main" show="0">
   <p:cSld>
